--- a/Visualisations/Fig_Mechanisms_v.2.pptx
+++ b/Visualisations/Fig_Mechanisms_v.2.pptx
@@ -243,7 +243,7 @@
           <a:p>
             <a:fld id="{100147B4-4DC3-4844-B2A8-58658666F9FF}" type="datetimeFigureOut">
               <a:rPr lang="en-AU" smtClean="0"/>
-              <a:t>23/10/2020</a:t>
+              <a:t>26/10/2020</a:t>
             </a:fld>
             <a:endParaRPr lang="en-AU"/>
           </a:p>
@@ -413,7 +413,7 @@
           <a:p>
             <a:fld id="{100147B4-4DC3-4844-B2A8-58658666F9FF}" type="datetimeFigureOut">
               <a:rPr lang="en-AU" smtClean="0"/>
-              <a:t>23/10/2020</a:t>
+              <a:t>26/10/2020</a:t>
             </a:fld>
             <a:endParaRPr lang="en-AU"/>
           </a:p>
@@ -593,7 +593,7 @@
           <a:p>
             <a:fld id="{100147B4-4DC3-4844-B2A8-58658666F9FF}" type="datetimeFigureOut">
               <a:rPr lang="en-AU" smtClean="0"/>
-              <a:t>23/10/2020</a:t>
+              <a:t>26/10/2020</a:t>
             </a:fld>
             <a:endParaRPr lang="en-AU"/>
           </a:p>
@@ -763,7 +763,7 @@
           <a:p>
             <a:fld id="{100147B4-4DC3-4844-B2A8-58658666F9FF}" type="datetimeFigureOut">
               <a:rPr lang="en-AU" smtClean="0"/>
-              <a:t>23/10/2020</a:t>
+              <a:t>26/10/2020</a:t>
             </a:fld>
             <a:endParaRPr lang="en-AU"/>
           </a:p>
@@ -1007,7 +1007,7 @@
           <a:p>
             <a:fld id="{100147B4-4DC3-4844-B2A8-58658666F9FF}" type="datetimeFigureOut">
               <a:rPr lang="en-AU" smtClean="0"/>
-              <a:t>23/10/2020</a:t>
+              <a:t>26/10/2020</a:t>
             </a:fld>
             <a:endParaRPr lang="en-AU"/>
           </a:p>
@@ -1239,7 +1239,7 @@
           <a:p>
             <a:fld id="{100147B4-4DC3-4844-B2A8-58658666F9FF}" type="datetimeFigureOut">
               <a:rPr lang="en-AU" smtClean="0"/>
-              <a:t>23/10/2020</a:t>
+              <a:t>26/10/2020</a:t>
             </a:fld>
             <a:endParaRPr lang="en-AU"/>
           </a:p>
@@ -1606,7 +1606,7 @@
           <a:p>
             <a:fld id="{100147B4-4DC3-4844-B2A8-58658666F9FF}" type="datetimeFigureOut">
               <a:rPr lang="en-AU" smtClean="0"/>
-              <a:t>23/10/2020</a:t>
+              <a:t>26/10/2020</a:t>
             </a:fld>
             <a:endParaRPr lang="en-AU"/>
           </a:p>
@@ -1724,7 +1724,7 @@
           <a:p>
             <a:fld id="{100147B4-4DC3-4844-B2A8-58658666F9FF}" type="datetimeFigureOut">
               <a:rPr lang="en-AU" smtClean="0"/>
-              <a:t>23/10/2020</a:t>
+              <a:t>26/10/2020</a:t>
             </a:fld>
             <a:endParaRPr lang="en-AU"/>
           </a:p>
@@ -1819,7 +1819,7 @@
           <a:p>
             <a:fld id="{100147B4-4DC3-4844-B2A8-58658666F9FF}" type="datetimeFigureOut">
               <a:rPr lang="en-AU" smtClean="0"/>
-              <a:t>23/10/2020</a:t>
+              <a:t>26/10/2020</a:t>
             </a:fld>
             <a:endParaRPr lang="en-AU"/>
           </a:p>
@@ -2096,7 +2096,7 @@
           <a:p>
             <a:fld id="{100147B4-4DC3-4844-B2A8-58658666F9FF}" type="datetimeFigureOut">
               <a:rPr lang="en-AU" smtClean="0"/>
-              <a:t>23/10/2020</a:t>
+              <a:t>26/10/2020</a:t>
             </a:fld>
             <a:endParaRPr lang="en-AU"/>
           </a:p>
@@ -2353,7 +2353,7 @@
           <a:p>
             <a:fld id="{100147B4-4DC3-4844-B2A8-58658666F9FF}" type="datetimeFigureOut">
               <a:rPr lang="en-AU" smtClean="0"/>
-              <a:t>23/10/2020</a:t>
+              <a:t>26/10/2020</a:t>
             </a:fld>
             <a:endParaRPr lang="en-AU"/>
           </a:p>
@@ -2566,7 +2566,7 @@
           <a:p>
             <a:fld id="{100147B4-4DC3-4844-B2A8-58658666F9FF}" type="datetimeFigureOut">
               <a:rPr lang="en-AU" smtClean="0"/>
-              <a:t>23/10/2020</a:t>
+              <a:t>26/10/2020</a:t>
             </a:fld>
             <a:endParaRPr lang="en-AU"/>
           </a:p>
@@ -3274,21 +3274,7 @@
                 <a:latin typeface="Arial" panose="020B0604020202020204" pitchFamily="34" charset="0"/>
                 <a:cs typeface="Arial" panose="020B0604020202020204" pitchFamily="34" charset="0"/>
               </a:rPr>
-              <a:t>, i.e. the level of trait variation within a population is linked to </a:t>
-            </a:r>
-            <a:r>
-              <a:rPr lang="en-GB" sz="1100" dirty="0">
-                <a:latin typeface="Arial" panose="020B0604020202020204" pitchFamily="34" charset="0"/>
-                <a:cs typeface="Arial" panose="020B0604020202020204" pitchFamily="34" charset="0"/>
-              </a:rPr>
-              <a:t>cooperation/antagonism, </a:t>
-            </a:r>
-            <a:r>
-              <a:rPr lang="en-GB" sz="1100" dirty="0">
-                <a:latin typeface="Arial" panose="020B0604020202020204" pitchFamily="34" charset="0"/>
-                <a:cs typeface="Arial" panose="020B0604020202020204" pitchFamily="34" charset="0"/>
-              </a:rPr>
-              <a:t>including:</a:t>
+              <a:t>, i.e. the level of trait variation within a population is linked to cooperation/antagonism, including:</a:t>
             </a:r>
           </a:p>
         </p:txBody>
@@ -3597,7 +3583,7 @@
         <p:spPr>
           <a:xfrm>
             <a:off x="2219966" y="5021633"/>
-            <a:ext cx="2170862" cy="539250"/>
+            <a:ext cx="2567218" cy="539250"/>
           </a:xfrm>
           <a:prstGeom prst="rect">
             <a:avLst/>
@@ -3620,7 +3606,14 @@
                 <a:latin typeface="Arial" panose="020B0604020202020204" pitchFamily="34" charset="0"/>
                 <a:cs typeface="Arial" panose="020B0604020202020204" pitchFamily="34" charset="0"/>
               </a:rPr>
-              <a:t>= More </a:t>
+              <a:t>= </a:t>
+            </a:r>
+            <a:r>
+              <a:rPr lang="en-GB" sz="1100" dirty="0" smtClean="0">
+                <a:latin typeface="Arial" panose="020B0604020202020204" pitchFamily="34" charset="0"/>
+                <a:cs typeface="Arial" panose="020B0604020202020204" pitchFamily="34" charset="0"/>
+              </a:rPr>
+              <a:t>A more </a:t>
             </a:r>
             <a:r>
               <a:rPr lang="en-GB" sz="1100" dirty="0" smtClean="0">
@@ -3630,12 +3623,16 @@
               <a:t>cooperative </a:t>
             </a:r>
             <a:r>
-              <a:rPr lang="en-GB" sz="1100" dirty="0">
+              <a:rPr lang="en-GB" sz="1100" dirty="0" smtClean="0">
                 <a:latin typeface="Arial" panose="020B0604020202020204" pitchFamily="34" charset="0"/>
                 <a:cs typeface="Arial" panose="020B0604020202020204" pitchFamily="34" charset="0"/>
               </a:rPr>
-              <a:t>individuals</a:t>
-            </a:r>
+              <a:t>individual</a:t>
+            </a:r>
+            <a:endParaRPr lang="en-GB" sz="1100" dirty="0">
+              <a:latin typeface="Arial" panose="020B0604020202020204" pitchFamily="34" charset="0"/>
+              <a:cs typeface="Arial" panose="020B0604020202020204" pitchFamily="34" charset="0"/>
+            </a:endParaRPr>
           </a:p>
           <a:p>
             <a:pPr>
@@ -3648,8 +3645,33 @@
                 <a:latin typeface="Arial" panose="020B0604020202020204" pitchFamily="34" charset="0"/>
                 <a:cs typeface="Arial" panose="020B0604020202020204" pitchFamily="34" charset="0"/>
               </a:rPr>
-              <a:t>= More antagonistic individuals         </a:t>
-            </a:r>
+              <a:t>= </a:t>
+            </a:r>
+            <a:r>
+              <a:rPr lang="en-GB" sz="1100" dirty="0" smtClean="0">
+                <a:latin typeface="Arial" panose="020B0604020202020204" pitchFamily="34" charset="0"/>
+                <a:cs typeface="Arial" panose="020B0604020202020204" pitchFamily="34" charset="0"/>
+              </a:rPr>
+              <a:t>A more </a:t>
+            </a:r>
+            <a:r>
+              <a:rPr lang="en-GB" sz="1100" dirty="0">
+                <a:latin typeface="Arial" panose="020B0604020202020204" pitchFamily="34" charset="0"/>
+                <a:cs typeface="Arial" panose="020B0604020202020204" pitchFamily="34" charset="0"/>
+              </a:rPr>
+              <a:t>antagonistic </a:t>
+            </a:r>
+            <a:r>
+              <a:rPr lang="en-GB" sz="1100" dirty="0" smtClean="0">
+                <a:latin typeface="Arial" panose="020B0604020202020204" pitchFamily="34" charset="0"/>
+                <a:cs typeface="Arial" panose="020B0604020202020204" pitchFamily="34" charset="0"/>
+              </a:rPr>
+              <a:t>individual         </a:t>
+            </a:r>
+            <a:endParaRPr lang="en-GB" sz="1100" dirty="0">
+              <a:latin typeface="Arial" panose="020B0604020202020204" pitchFamily="34" charset="0"/>
+              <a:cs typeface="Arial" panose="020B0604020202020204" pitchFamily="34" charset="0"/>
+            </a:endParaRPr>
           </a:p>
         </p:txBody>
       </p:sp>
@@ -3668,7 +3690,7 @@
         <p:spPr>
           <a:xfrm>
             <a:off x="6714342" y="5069155"/>
-            <a:ext cx="2257345" cy="893899"/>
+            <a:ext cx="2257345" cy="925253"/>
           </a:xfrm>
           <a:prstGeom prst="rect">
             <a:avLst/>
@@ -3691,7 +3713,21 @@
                 <a:latin typeface="Arial" panose="020B0604020202020204" pitchFamily="34" charset="0"/>
                 <a:cs typeface="Arial" panose="020B0604020202020204" pitchFamily="34" charset="0"/>
               </a:rPr>
-              <a:t>= Individual with trait value </a:t>
+              <a:t>= </a:t>
+            </a:r>
+            <a:r>
+              <a:rPr lang="en-GB" sz="1100" dirty="0" smtClean="0">
+                <a:latin typeface="Arial" panose="020B0604020202020204" pitchFamily="34" charset="0"/>
+                <a:cs typeface="Arial" panose="020B0604020202020204" pitchFamily="34" charset="0"/>
+              </a:rPr>
+              <a:t>An individual </a:t>
+            </a:r>
+            <a:r>
+              <a:rPr lang="en-GB" sz="1100" dirty="0">
+                <a:latin typeface="Arial" panose="020B0604020202020204" pitchFamily="34" charset="0"/>
+                <a:cs typeface="Arial" panose="020B0604020202020204" pitchFamily="34" charset="0"/>
+              </a:rPr>
+              <a:t>with trait value </a:t>
             </a:r>
             <a:r>
               <a:rPr lang="en-GB" sz="1100" i="1" dirty="0">
@@ -3712,7 +3748,21 @@
                 <a:latin typeface="Arial" panose="020B0604020202020204" pitchFamily="34" charset="0"/>
                 <a:cs typeface="Arial" panose="020B0604020202020204" pitchFamily="34" charset="0"/>
               </a:rPr>
-              <a:t>= Individual with trait value </a:t>
+              <a:t>= </a:t>
+            </a:r>
+            <a:r>
+              <a:rPr lang="en-GB" sz="1100" dirty="0" smtClean="0">
+                <a:latin typeface="Arial" panose="020B0604020202020204" pitchFamily="34" charset="0"/>
+                <a:cs typeface="Arial" panose="020B0604020202020204" pitchFamily="34" charset="0"/>
+              </a:rPr>
+              <a:t>An individual </a:t>
+            </a:r>
+            <a:r>
+              <a:rPr lang="en-GB" sz="1100" dirty="0">
+                <a:latin typeface="Arial" panose="020B0604020202020204" pitchFamily="34" charset="0"/>
+                <a:cs typeface="Arial" panose="020B0604020202020204" pitchFamily="34" charset="0"/>
+              </a:rPr>
+              <a:t>with trait value </a:t>
             </a:r>
             <a:r>
               <a:rPr lang="en-GB" sz="1100" i="1" dirty="0">
@@ -3733,7 +3783,21 @@
                 <a:latin typeface="Arial" panose="020B0604020202020204" pitchFamily="34" charset="0"/>
                 <a:cs typeface="Arial" panose="020B0604020202020204" pitchFamily="34" charset="0"/>
               </a:rPr>
-              <a:t>= Individual with trait value </a:t>
+              <a:t>= </a:t>
+            </a:r>
+            <a:r>
+              <a:rPr lang="en-GB" sz="1100" dirty="0" smtClean="0">
+                <a:latin typeface="Arial" panose="020B0604020202020204" pitchFamily="34" charset="0"/>
+                <a:cs typeface="Arial" panose="020B0604020202020204" pitchFamily="34" charset="0"/>
+              </a:rPr>
+              <a:t>An individual </a:t>
+            </a:r>
+            <a:r>
+              <a:rPr lang="en-GB" sz="1100" dirty="0">
+                <a:latin typeface="Arial" panose="020B0604020202020204" pitchFamily="34" charset="0"/>
+                <a:cs typeface="Arial" panose="020B0604020202020204" pitchFamily="34" charset="0"/>
+              </a:rPr>
+              <a:t>with trait value </a:t>
             </a:r>
             <a:r>
               <a:rPr lang="en-GB" sz="1100" i="1" dirty="0">
@@ -4411,14 +4475,7 @@
                 <a:latin typeface="Arial" panose="020B0604020202020204" pitchFamily="34" charset="0"/>
                 <a:cs typeface="Arial" panose="020B0604020202020204" pitchFamily="34" charset="0"/>
               </a:rPr>
-              <a:t>more cooperative </a:t>
-            </a:r>
-            <a:r>
-              <a:rPr lang="en-GB" sz="1100" dirty="0">
-                <a:latin typeface="Arial" panose="020B0604020202020204" pitchFamily="34" charset="0"/>
-                <a:cs typeface="Arial" panose="020B0604020202020204" pitchFamily="34" charset="0"/>
-              </a:rPr>
-              <a:t>interactions</a:t>
+              <a:t>more cooperative interactions</a:t>
             </a:r>
             <a:endParaRPr lang="en-AU" sz="1100" dirty="0">
               <a:latin typeface="Arial" panose="020B0604020202020204" pitchFamily="34" charset="0"/>
@@ -5596,7 +5653,21 @@
                 <a:latin typeface="Arial" panose="020B0604020202020204" pitchFamily="34" charset="0"/>
                 <a:cs typeface="Arial" panose="020B0604020202020204" pitchFamily="34" charset="0"/>
               </a:rPr>
-              <a:t>linked the quality of an interaction,  </a:t>
+              <a:t>linked </a:t>
+            </a:r>
+            <a:r>
+              <a:rPr lang="en-GB" sz="1100" dirty="0" smtClean="0">
+                <a:latin typeface="Arial" panose="020B0604020202020204" pitchFamily="34" charset="0"/>
+                <a:cs typeface="Arial" panose="020B0604020202020204" pitchFamily="34" charset="0"/>
+              </a:rPr>
+              <a:t>to the </a:t>
+            </a:r>
+            <a:r>
+              <a:rPr lang="en-GB" sz="1100" dirty="0">
+                <a:latin typeface="Arial" panose="020B0604020202020204" pitchFamily="34" charset="0"/>
+                <a:cs typeface="Arial" panose="020B0604020202020204" pitchFamily="34" charset="0"/>
+              </a:rPr>
+              <a:t>quality of an interaction,  </a:t>
             </a:r>
             <a:r>
               <a:rPr lang="en-GB" sz="1100" dirty="0" smtClean="0">
@@ -5606,18 +5677,11 @@
               <a:t>           </a:t>
             </a:r>
             <a:r>
-              <a:rPr lang="en-GB" sz="1100" dirty="0" err="1" smtClean="0">
-                <a:latin typeface="Arial" panose="020B0604020202020204" pitchFamily="34" charset="0"/>
-                <a:cs typeface="Arial" panose="020B0604020202020204" pitchFamily="34" charset="0"/>
-              </a:rPr>
-              <a:t>e.g</a:t>
-            </a:r>
-            <a:r>
               <a:rPr lang="en-GB" sz="1100" dirty="0" smtClean="0">
                 <a:latin typeface="Arial" panose="020B0604020202020204" pitchFamily="34" charset="0"/>
                 <a:cs typeface="Arial" panose="020B0604020202020204" pitchFamily="34" charset="0"/>
               </a:rPr>
-              <a:t>, </a:t>
+              <a:t>e.g. </a:t>
             </a:r>
             <a:r>
               <a:rPr lang="en-GB" sz="1100" dirty="0">
@@ -6633,7 +6697,6 @@
               <a:rPr lang="en-GB" sz="1600" dirty="0"/>
               <a:t>③</a:t>
             </a:r>
-            <a:endParaRPr lang="en-GB" sz="1600" dirty="0"/>
           </a:p>
         </p:txBody>
       </p:sp>
@@ -6718,7 +6781,6 @@
               <a:rPr lang="en-GB" sz="1600" dirty="0"/>
               <a:t>③</a:t>
             </a:r>
-            <a:endParaRPr lang="en-GB" sz="1600" dirty="0"/>
           </a:p>
         </p:txBody>
       </p:sp>
@@ -6775,7 +6837,6 @@
               <a:rPr lang="en-GB" sz="1600" dirty="0"/>
               <a:t>③</a:t>
             </a:r>
-            <a:endParaRPr lang="en-GB" sz="1600" dirty="0"/>
           </a:p>
         </p:txBody>
       </p:sp>
@@ -6888,7 +6949,6 @@
               <a:rPr lang="en-GB" sz="1600" dirty="0"/>
               <a:t>③</a:t>
             </a:r>
-            <a:endParaRPr lang="en-GB" sz="1600" dirty="0"/>
           </a:p>
         </p:txBody>
       </p:sp>
@@ -6973,7 +7033,6 @@
               <a:rPr lang="en-GB" sz="1600" dirty="0"/>
               <a:t>③</a:t>
             </a:r>
-            <a:endParaRPr lang="en-GB" sz="1600" dirty="0"/>
           </a:p>
         </p:txBody>
       </p:sp>
@@ -7030,7 +7089,6 @@
               <a:rPr lang="en-GB" sz="1600" dirty="0"/>
               <a:t>③</a:t>
             </a:r>
-            <a:endParaRPr lang="en-GB" sz="1600" dirty="0"/>
           </a:p>
         </p:txBody>
       </p:sp>
@@ -7115,7 +7173,6 @@
               <a:rPr lang="en-GB" sz="1600" dirty="0"/>
               <a:t>③</a:t>
             </a:r>
-            <a:endParaRPr lang="en-GB" sz="1600" dirty="0"/>
           </a:p>
         </p:txBody>
       </p:sp>
@@ -7368,7 +7425,6 @@
               <a:rPr lang="en-GB" sz="1600" dirty="0"/>
               <a:t>③</a:t>
             </a:r>
-            <a:endParaRPr lang="en-GB" sz="1600" dirty="0"/>
           </a:p>
         </p:txBody>
       </p:sp>
@@ -7537,7 +7593,6 @@
               <a:rPr lang="en-GB" sz="1100" dirty="0"/>
               <a:t>③</a:t>
             </a:r>
-            <a:endParaRPr lang="en-GB" sz="1100" dirty="0"/>
           </a:p>
         </p:txBody>
       </p:sp>
